--- a/Presentation.pptx
+++ b/Presentation.pptx
@@ -7,9 +7,9 @@
   <p:sldIdLst>
     <p:sldId id="256" r:id="rId2"/>
     <p:sldId id="257" r:id="rId3"/>
-    <p:sldId id="260" r:id="rId4"/>
-    <p:sldId id="261" r:id="rId5"/>
-    <p:sldId id="258" r:id="rId6"/>
+    <p:sldId id="258" r:id="rId4"/>
+    <p:sldId id="260" r:id="rId5"/>
+    <p:sldId id="261" r:id="rId6"/>
     <p:sldId id="259" r:id="rId7"/>
   </p:sldIdLst>
   <p:sldSz cx="12192000" cy="6858000"/>
@@ -109,6 +109,11 @@
       </a:defRPr>
     </a:lvl9pPr>
   </p:defaultTextStyle>
+  <p:extLst>
+    <p:ext uri="{EFAFB233-063F-42B5-8137-9DF3F51BA10A}">
+      <p15:sldGuideLst xmlns:p15="http://schemas.microsoft.com/office/powerpoint/2012/main"/>
+    </p:ext>
+  </p:extLst>
 </p:presentation>
 </file>
 
@@ -434,7 +439,7 @@
             <a:fld id="{8256C2ED-54A4-480D-B5C8-65C0D62359B9}" type="datetime2">
               <a:rPr lang="en-US" smtClean="0"/>
               <a:pPr/>
-              <a:t>Tuesday, January 30, 2024</a:t>
+              <a:t>Wednesday, January 31, 2024</a:t>
             </a:fld>
             <a:endParaRPr lang="en-US" dirty="0"/>
           </a:p>
@@ -593,7 +598,7 @@
           <a:p>
             <a:fld id="{53CF612A-4CB0-4F57-9A87-F049CECB184D}" type="datetime2">
               <a:rPr lang="en-US" smtClean="0"/>
-              <a:t>Tuesday, January 30, 2024</a:t>
+              <a:t>Wednesday, January 31, 2024</a:t>
             </a:fld>
             <a:endParaRPr lang="en-US"/>
           </a:p>
@@ -814,7 +819,7 @@
           <a:p>
             <a:fld id="{8F397F40-C8F7-4897-A6B8-241042F913A9}" type="datetime2">
               <a:rPr lang="en-US" smtClean="0"/>
-              <a:t>Tuesday, January 30, 2024</a:t>
+              <a:t>Wednesday, January 31, 2024</a:t>
             </a:fld>
             <a:endParaRPr lang="en-US"/>
           </a:p>
@@ -1137,7 +1142,7 @@
             <a:fld id="{8256C2ED-54A4-480D-B5C8-65C0D62359B9}" type="datetime2">
               <a:rPr lang="en-US" smtClean="0"/>
               <a:pPr/>
-              <a:t>Tuesday, January 30, 2024</a:t>
+              <a:t>Wednesday, January 31, 2024</a:t>
             </a:fld>
             <a:endParaRPr lang="en-US" dirty="0"/>
           </a:p>
@@ -1372,7 +1377,7 @@
           <a:p>
             <a:fld id="{10EDCA73-0A86-4195-A787-75037827079D}" type="datetime2">
               <a:rPr lang="en-US" smtClean="0"/>
-              <a:t>Tuesday, January 30, 2024</a:t>
+              <a:t>Wednesday, January 31, 2024</a:t>
             </a:fld>
             <a:endParaRPr lang="en-US"/>
           </a:p>
@@ -1723,7 +1728,7 @@
           <a:p>
             <a:fld id="{83C75374-B296-498E-A935-80631EA9020D}" type="datetime2">
               <a:rPr lang="en-US" smtClean="0"/>
-              <a:t>Tuesday, January 30, 2024</a:t>
+              <a:t>Wednesday, January 31, 2024</a:t>
             </a:fld>
             <a:endParaRPr lang="en-US"/>
           </a:p>
@@ -2163,7 +2168,7 @@
           <a:p>
             <a:fld id="{B098B728-214A-4ABC-8432-5B3A5A66A987}" type="datetime2">
               <a:rPr lang="en-US" smtClean="0"/>
-              <a:t>Tuesday, January 30, 2024</a:t>
+              <a:t>Wednesday, January 31, 2024</a:t>
             </a:fld>
             <a:endParaRPr lang="en-US" dirty="0"/>
           </a:p>
@@ -2321,7 +2326,7 @@
           <a:p>
             <a:fld id="{015F02D0-6806-43AF-9888-2359BF40C204}" type="datetime2">
               <a:rPr lang="en-US" smtClean="0"/>
-              <a:t>Tuesday, January 30, 2024</a:t>
+              <a:t>Wednesday, January 31, 2024</a:t>
             </a:fld>
             <a:endParaRPr lang="en-US"/>
           </a:p>
@@ -2445,7 +2450,7 @@
           <a:p>
             <a:fld id="{8EE14D2D-B1AF-4197-82D6-FC1F8BD05681}" type="datetime2">
               <a:rPr lang="en-US" smtClean="0"/>
-              <a:t>Tuesday, January 30, 2024</a:t>
+              <a:t>Wednesday, January 31, 2024</a:t>
             </a:fld>
             <a:endParaRPr lang="en-US"/>
           </a:p>
@@ -2773,7 +2778,7 @@
           <a:p>
             <a:fld id="{98771CEB-9838-4245-91B8-EFBAFE2D8B44}" type="datetime2">
               <a:rPr lang="en-US" smtClean="0"/>
-              <a:t>Tuesday, January 30, 2024</a:t>
+              <a:t>Wednesday, January 31, 2024</a:t>
             </a:fld>
             <a:endParaRPr lang="en-US"/>
           </a:p>
@@ -3081,7 +3086,7 @@
           <a:p>
             <a:fld id="{51D3F6BF-A585-41F8-88DF-7E5D069F892A}" type="datetime2">
               <a:rPr lang="en-US" smtClean="0"/>
-              <a:t>Tuesday, January 30, 2024</a:t>
+              <a:t>Wednesday, January 31, 2024</a:t>
             </a:fld>
             <a:endParaRPr lang="en-US"/>
           </a:p>
@@ -3424,7 +3429,7 @@
             <a:fld id="{8256C2ED-54A4-480D-B5C8-65C0D62359B9}" type="datetime2">
               <a:rPr lang="en-US" smtClean="0"/>
               <a:pPr/>
-              <a:t>Tuesday, January 30, 2024</a:t>
+              <a:t>Wednesday, January 31, 2024</a:t>
             </a:fld>
             <a:endParaRPr lang="en-US" dirty="0"/>
           </a:p>
@@ -4282,7 +4287,7 @@
           <p:cNvPr id="2" name="Title 1">
             <a:extLst>
               <a:ext uri="{FF2B5EF4-FFF2-40B4-BE49-F238E27FC236}">
-                <a16:creationId xmlns:a16="http://schemas.microsoft.com/office/drawing/2014/main" id="{045F0DCB-3368-4848-691D-5D169F07E8D6}"/>
+                <a16:creationId xmlns:a16="http://schemas.microsoft.com/office/drawing/2014/main" id="{B9585B8A-831B-F92A-0C29-EA89D7DC1479}"/>
               </a:ext>
             </a:extLst>
           </p:cNvPr>
@@ -4300,7 +4305,7 @@
           <a:p>
             <a:r>
               <a:rPr lang="en-NL" dirty="0"/>
-              <a:t>Design</a:t>
+              <a:t>Inleiding</a:t>
             </a:r>
           </a:p>
         </p:txBody>
@@ -4310,7 +4315,7 @@
           <p:cNvPr id="3" name="Content Placeholder 2">
             <a:extLst>
               <a:ext uri="{FF2B5EF4-FFF2-40B4-BE49-F238E27FC236}">
-                <a16:creationId xmlns:a16="http://schemas.microsoft.com/office/drawing/2014/main" id="{06CDBD71-4095-94E9-E0D6-5124AC21095C}"/>
+                <a16:creationId xmlns:a16="http://schemas.microsoft.com/office/drawing/2014/main" id="{412E09F2-7569-EAFF-145B-1B628D2D8827}"/>
               </a:ext>
             </a:extLst>
           </p:cNvPr>
@@ -4326,14 +4331,14 @@
           <a:bodyPr/>
           <a:lstStyle/>
           <a:p>
-            <a:endParaRPr lang="en-NL"/>
+            <a:endParaRPr lang="en-NL" dirty="0"/>
           </a:p>
         </p:txBody>
       </p:sp>
     </p:spTree>
     <p:extLst>
       <p:ext uri="{BB962C8B-B14F-4D97-AF65-F5344CB8AC3E}">
-        <p14:creationId xmlns:p14="http://schemas.microsoft.com/office/powerpoint/2010/main" val="977016713"/>
+        <p14:creationId xmlns:p14="http://schemas.microsoft.com/office/powerpoint/2010/main" val="3670726814"/>
       </p:ext>
     </p:extLst>
   </p:cSld>
@@ -4365,7 +4370,7 @@
           <p:cNvPr id="2" name="Title 1">
             <a:extLst>
               <a:ext uri="{FF2B5EF4-FFF2-40B4-BE49-F238E27FC236}">
-                <a16:creationId xmlns:a16="http://schemas.microsoft.com/office/drawing/2014/main" id="{A773E1EE-ECE2-DE9D-2FA2-CE49A29AB579}"/>
+                <a16:creationId xmlns:a16="http://schemas.microsoft.com/office/drawing/2014/main" id="{045F0DCB-3368-4848-691D-5D169F07E8D6}"/>
               </a:ext>
             </a:extLst>
           </p:cNvPr>
@@ -4383,7 +4388,7 @@
           <a:p>
             <a:r>
               <a:rPr lang="en-NL" dirty="0"/>
-              <a:t>Waarom Stonks Pizza</a:t>
+              <a:t>Design</a:t>
             </a:r>
           </a:p>
         </p:txBody>
@@ -4393,7 +4398,7 @@
           <p:cNvPr id="3" name="Content Placeholder 2">
             <a:extLst>
               <a:ext uri="{FF2B5EF4-FFF2-40B4-BE49-F238E27FC236}">
-                <a16:creationId xmlns:a16="http://schemas.microsoft.com/office/drawing/2014/main" id="{A11487EB-9DF3-E379-044D-E7111933359D}"/>
+                <a16:creationId xmlns:a16="http://schemas.microsoft.com/office/drawing/2014/main" id="{06CDBD71-4095-94E9-E0D6-5124AC21095C}"/>
               </a:ext>
             </a:extLst>
           </p:cNvPr>
@@ -4416,7 +4421,7 @@
     </p:spTree>
     <p:extLst>
       <p:ext uri="{BB962C8B-B14F-4D97-AF65-F5344CB8AC3E}">
-        <p14:creationId xmlns:p14="http://schemas.microsoft.com/office/powerpoint/2010/main" val="3313310908"/>
+        <p14:creationId xmlns:p14="http://schemas.microsoft.com/office/powerpoint/2010/main" val="977016713"/>
       </p:ext>
     </p:extLst>
   </p:cSld>
@@ -4448,7 +4453,7 @@
           <p:cNvPr id="2" name="Title 1">
             <a:extLst>
               <a:ext uri="{FF2B5EF4-FFF2-40B4-BE49-F238E27FC236}">
-                <a16:creationId xmlns:a16="http://schemas.microsoft.com/office/drawing/2014/main" id="{B9585B8A-831B-F92A-0C29-EA89D7DC1479}"/>
+                <a16:creationId xmlns:a16="http://schemas.microsoft.com/office/drawing/2014/main" id="{A773E1EE-ECE2-DE9D-2FA2-CE49A29AB579}"/>
               </a:ext>
             </a:extLst>
           </p:cNvPr>
@@ -4466,7 +4471,7 @@
           <a:p>
             <a:r>
               <a:rPr lang="en-NL" dirty="0"/>
-              <a:t>Inleiding</a:t>
+              <a:t>Waarom Stonks Pizza</a:t>
             </a:r>
           </a:p>
         </p:txBody>
@@ -4476,7 +4481,7 @@
           <p:cNvPr id="3" name="Content Placeholder 2">
             <a:extLst>
               <a:ext uri="{FF2B5EF4-FFF2-40B4-BE49-F238E27FC236}">
-                <a16:creationId xmlns:a16="http://schemas.microsoft.com/office/drawing/2014/main" id="{412E09F2-7569-EAFF-145B-1B628D2D8827}"/>
+                <a16:creationId xmlns:a16="http://schemas.microsoft.com/office/drawing/2014/main" id="{A11487EB-9DF3-E379-044D-E7111933359D}"/>
               </a:ext>
             </a:extLst>
           </p:cNvPr>
@@ -4499,7 +4504,7 @@
     </p:spTree>
     <p:extLst>
       <p:ext uri="{BB962C8B-B14F-4D97-AF65-F5344CB8AC3E}">
-        <p14:creationId xmlns:p14="http://schemas.microsoft.com/office/powerpoint/2010/main" val="3670726814"/>
+        <p14:creationId xmlns:p14="http://schemas.microsoft.com/office/powerpoint/2010/main" val="3313310908"/>
       </p:ext>
     </p:extLst>
   </p:cSld>

--- a/Presentation.pptx
+++ b/Presentation.pptx
@@ -4351,6 +4351,14 @@
 <file path=ppt/slides/slide4.xml><?xml version="1.0" encoding="utf-8"?>
 <p:sld xmlns:a="http://schemas.openxmlformats.org/drawingml/2006/main" xmlns:r="http://schemas.openxmlformats.org/officeDocument/2006/relationships" xmlns:p="http://schemas.openxmlformats.org/presentationml/2006/main">
   <p:cSld>
+    <p:bg>
+      <p:bgPr>
+        <a:solidFill>
+          <a:schemeClr val="bg2"/>
+        </a:solidFill>
+        <a:effectLst/>
+      </p:bgPr>
+    </p:bg>
     <p:spTree>
       <p:nvGrpSpPr>
         <p:cNvPr id="1" name=""/>
@@ -4365,6 +4373,82 @@
           <a:chExt cx="0" cy="0"/>
         </a:xfrm>
       </p:grpSpPr>
+      <p:sp useBgFill="1">
+        <p:nvSpPr>
+          <p:cNvPr id="14" name="Rectangle 13">
+            <a:extLst>
+              <a:ext uri="{FF2B5EF4-FFF2-40B4-BE49-F238E27FC236}">
+                <a16:creationId xmlns:a16="http://schemas.microsoft.com/office/drawing/2014/main" id="{BD1446E9-77BB-47B9-A1A3-99B1D8A84D41}"/>
+              </a:ext>
+              <a:ext uri="{C183D7F6-B498-43B3-948B-1728B52AA6E4}">
+                <adec:decorative xmlns:adec="http://schemas.microsoft.com/office/drawing/2017/decorative" val="1"/>
+              </a:ext>
+            </a:extLst>
+          </p:cNvPr>
+          <p:cNvSpPr>
+            <a:spLocks noGrp="1" noRot="1" noChangeAspect="1" noMove="1" noResize="1" noEditPoints="1" noAdjustHandles="1" noChangeArrowheads="1" noChangeShapeType="1" noTextEdit="1"/>
+          </p:cNvSpPr>
+          <p:nvPr>
+            <p:extLst>
+              <p:ext uri="{386F3935-93C4-4BCD-93E2-E3B085C9AB24}">
+                <p16:designElem xmlns:p16="http://schemas.microsoft.com/office/powerpoint/2015/main" val="1"/>
+              </p:ext>
+            </p:extLst>
+          </p:nvPr>
+        </p:nvSpPr>
+        <p:spPr>
+          <a:xfrm>
+            <a:off x="0" y="0"/>
+            <a:ext cx="12192000" cy="6858000"/>
+          </a:xfrm>
+          <a:prstGeom prst="rect">
+            <a:avLst/>
+          </a:prstGeom>
+          <a:ln w="12700" cap="flat" cmpd="sng" algn="ctr">
+            <a:noFill/>
+            <a:prstDash val="solid"/>
+            <a:miter lim="800000"/>
+          </a:ln>
+          <a:effectLst/>
+          <a:extLst>
+            <a:ext uri="{91240B29-F687-4F45-9708-019B960494DF}">
+              <a14:hiddenLine xmlns:a14="http://schemas.microsoft.com/office/drawing/2010/main" w="12700" cap="flat" cmpd="sng" algn="ctr">
+                <a:solidFill>
+                  <a:schemeClr val="accent1">
+                    <a:shade val="50000"/>
+                  </a:schemeClr>
+                </a:solidFill>
+                <a:prstDash val="solid"/>
+                <a:miter lim="800000"/>
+              </a14:hiddenLine>
+            </a:ext>
+          </a:extLst>
+        </p:spPr>
+        <p:style>
+          <a:lnRef idx="2">
+            <a:schemeClr val="accent1">
+              <a:shade val="50000"/>
+            </a:schemeClr>
+          </a:lnRef>
+          <a:fillRef idx="1">
+            <a:schemeClr val="accent1"/>
+          </a:fillRef>
+          <a:effectRef idx="0">
+            <a:schemeClr val="accent1"/>
+          </a:effectRef>
+          <a:fontRef idx="minor">
+            <a:schemeClr val="lt1"/>
+          </a:fontRef>
+        </p:style>
+        <p:txBody>
+          <a:bodyPr rtlCol="0" anchor="ctr"/>
+          <a:lstStyle/>
+          <a:p>
+            <a:pPr algn="ctr"/>
+            <a:endParaRPr lang="en-US"/>
+          </a:p>
+        </p:txBody>
+      </p:sp>
       <p:sp>
         <p:nvSpPr>
           <p:cNvPr id="2" name="Title 1">
@@ -4381,24 +4465,185 @@
             <p:ph type="title"/>
           </p:nvPr>
         </p:nvSpPr>
-        <p:spPr/>
-        <p:txBody>
-          <a:bodyPr/>
-          <a:lstStyle/>
-          <a:p>
-            <a:r>
-              <a:rPr lang="en-NL" dirty="0"/>
+        <p:spPr>
+          <a:xfrm>
+            <a:off x="448056" y="388800"/>
+            <a:ext cx="11300532" cy="986400"/>
+          </a:xfrm>
+        </p:spPr>
+        <p:txBody>
+          <a:bodyPr anchor="b">
+            <a:normAutofit/>
+          </a:bodyPr>
+          <a:lstStyle/>
+          <a:p>
+            <a:r>
+              <a:rPr lang="en-NL" sz="6400"/>
               <a:t>Design</a:t>
             </a:r>
           </a:p>
         </p:txBody>
       </p:sp>
-      <p:sp>
-        <p:nvSpPr>
-          <p:cNvPr id="3" name="Content Placeholder 2">
-            <a:extLst>
-              <a:ext uri="{FF2B5EF4-FFF2-40B4-BE49-F238E27FC236}">
-                <a16:creationId xmlns:a16="http://schemas.microsoft.com/office/drawing/2014/main" id="{06CDBD71-4095-94E9-E0D6-5124AC21095C}"/>
+      <p:cxnSp>
+        <p:nvCxnSpPr>
+          <p:cNvPr id="16" name="Straight Connector 15">
+            <a:extLst>
+              <a:ext uri="{FF2B5EF4-FFF2-40B4-BE49-F238E27FC236}">
+                <a16:creationId xmlns:a16="http://schemas.microsoft.com/office/drawing/2014/main" id="{B32E796E-8D19-4926-B7B8-653B01939010}"/>
+              </a:ext>
+              <a:ext uri="{C183D7F6-B498-43B3-948B-1728B52AA6E4}">
+                <adec:decorative xmlns:adec="http://schemas.microsoft.com/office/drawing/2017/decorative" val="1"/>
+              </a:ext>
+            </a:extLst>
+          </p:cNvPr>
+          <p:cNvCxnSpPr>
+            <a:cxnSpLocks noGrp="1" noRot="1" noChangeAspect="1" noMove="1" noResize="1" noEditPoints="1" noAdjustHandles="1" noChangeArrowheads="1" noChangeShapeType="1"/>
+          </p:cNvCxnSpPr>
+          <p:nvPr>
+            <p:extLst>
+              <p:ext uri="{386F3935-93C4-4BCD-93E2-E3B085C9AB24}">
+                <p16:designElem xmlns:p16="http://schemas.microsoft.com/office/powerpoint/2015/main" val="1"/>
+              </p:ext>
+            </p:extLst>
+          </p:nvPr>
+        </p:nvCxnSpPr>
+        <p:spPr>
+          <a:xfrm>
+            <a:off x="450000" y="1609200"/>
+            <a:ext cx="11300400" cy="0"/>
+          </a:xfrm>
+          <a:prstGeom prst="line">
+            <a:avLst/>
+          </a:prstGeom>
+          <a:ln w="6350">
+            <a:solidFill>
+              <a:schemeClr val="tx2"/>
+            </a:solidFill>
+          </a:ln>
+        </p:spPr>
+        <p:style>
+          <a:lnRef idx="1">
+            <a:schemeClr val="accent1"/>
+          </a:lnRef>
+          <a:fillRef idx="0">
+            <a:schemeClr val="accent1"/>
+          </a:fillRef>
+          <a:effectRef idx="0">
+            <a:schemeClr val="accent1"/>
+          </a:effectRef>
+          <a:fontRef idx="minor">
+            <a:schemeClr val="tx1"/>
+          </a:fontRef>
+        </p:style>
+      </p:cxnSp>
+      <p:pic>
+        <p:nvPicPr>
+          <p:cNvPr id="7" name="Picture 6" descr="A menu of pizzas and pizza&#10;&#10;Description automatically generated with medium confidence">
+            <a:extLst>
+              <a:ext uri="{FF2B5EF4-FFF2-40B4-BE49-F238E27FC236}">
+                <a16:creationId xmlns:a16="http://schemas.microsoft.com/office/drawing/2014/main" id="{345C40D0-24FC-4FF2-01BB-881174083FA9}"/>
+              </a:ext>
+            </a:extLst>
+          </p:cNvPr>
+          <p:cNvPicPr>
+            <a:picLocks noChangeAspect="1"/>
+          </p:cNvPicPr>
+          <p:nvPr/>
+        </p:nvPicPr>
+        <p:blipFill>
+          <a:blip r:embed="rId2"/>
+          <a:stretch>
+            <a:fillRect/>
+          </a:stretch>
+        </p:blipFill>
+        <p:spPr>
+          <a:xfrm>
+            <a:off x="449997" y="2632597"/>
+            <a:ext cx="3597396" cy="2752007"/>
+          </a:xfrm>
+          <a:custGeom>
+            <a:avLst/>
+            <a:gdLst/>
+            <a:ahLst/>
+            <a:cxnLst/>
+            <a:rect l="l" t="t" r="r" b="b"/>
+            <a:pathLst>
+              <a:path w="3597394" h="3898802">
+                <a:moveTo>
+                  <a:pt x="0" y="0"/>
+                </a:moveTo>
+                <a:lnTo>
+                  <a:pt x="3597394" y="0"/>
+                </a:lnTo>
+                <a:lnTo>
+                  <a:pt x="3597394" y="3898802"/>
+                </a:lnTo>
+                <a:lnTo>
+                  <a:pt x="0" y="3898801"/>
+                </a:lnTo>
+                <a:close/>
+              </a:path>
+            </a:pathLst>
+          </a:custGeom>
+        </p:spPr>
+      </p:pic>
+      <p:pic>
+        <p:nvPicPr>
+          <p:cNvPr id="5" name="Content Placeholder 4" descr="A screenshot of a pizza&#10;&#10;Description automatically generated">
+            <a:extLst>
+              <a:ext uri="{FF2B5EF4-FFF2-40B4-BE49-F238E27FC236}">
+                <a16:creationId xmlns:a16="http://schemas.microsoft.com/office/drawing/2014/main" id="{22473666-7B25-08B5-1E34-835A8C74E4B5}"/>
+              </a:ext>
+            </a:extLst>
+          </p:cNvPr>
+          <p:cNvPicPr>
+            <a:picLocks noChangeAspect="1"/>
+          </p:cNvPicPr>
+          <p:nvPr/>
+        </p:nvPicPr>
+        <p:blipFill>
+          <a:blip r:embed="rId3"/>
+          <a:stretch>
+            <a:fillRect/>
+          </a:stretch>
+        </p:blipFill>
+        <p:spPr>
+          <a:xfrm>
+            <a:off x="4559167" y="2059201"/>
+            <a:ext cx="2933848" cy="3898802"/>
+          </a:xfrm>
+          <a:custGeom>
+            <a:avLst/>
+            <a:gdLst/>
+            <a:ahLst/>
+            <a:cxnLst/>
+            <a:rect l="l" t="t" r="r" b="b"/>
+            <a:pathLst>
+              <a:path w="3597396" h="3898802">
+                <a:moveTo>
+                  <a:pt x="0" y="0"/>
+                </a:moveTo>
+                <a:lnTo>
+                  <a:pt x="3597396" y="1"/>
+                </a:lnTo>
+                <a:lnTo>
+                  <a:pt x="3597396" y="3898802"/>
+                </a:lnTo>
+                <a:lnTo>
+                  <a:pt x="0" y="3898802"/>
+                </a:lnTo>
+                <a:close/>
+              </a:path>
+            </a:pathLst>
+          </a:custGeom>
+        </p:spPr>
+      </p:pic>
+      <p:sp>
+        <p:nvSpPr>
+          <p:cNvPr id="21" name="Content Placeholder 10">
+            <a:extLst>
+              <a:ext uri="{FF2B5EF4-FFF2-40B4-BE49-F238E27FC236}">
+                <a16:creationId xmlns:a16="http://schemas.microsoft.com/office/drawing/2014/main" id="{F8A78E6B-634C-91C6-342E-51DE3CAF0518}"/>
               </a:ext>
             </a:extLst>
           </p:cNvPr>
@@ -4409,12 +4654,19 @@
             <p:ph idx="1"/>
           </p:nvPr>
         </p:nvSpPr>
-        <p:spPr/>
-        <p:txBody>
-          <a:bodyPr/>
-          <a:lstStyle/>
-          <a:p>
-            <a:endParaRPr lang="en-NL"/>
+        <p:spPr>
+          <a:xfrm>
+            <a:off x="8256588" y="1944000"/>
+            <a:ext cx="3490212" cy="4006800"/>
+          </a:xfrm>
+        </p:spPr>
+        <p:txBody>
+          <a:bodyPr>
+            <a:normAutofit/>
+          </a:bodyPr>
+          <a:lstStyle/>
+          <a:p>
+            <a:endParaRPr lang="en-US"/>
           </a:p>
         </p:txBody>
       </p:sp>

--- a/Presentation.pptx
+++ b/Presentation.pptx
@@ -10,7 +10,8 @@
     <p:sldId id="258" r:id="rId4"/>
     <p:sldId id="260" r:id="rId5"/>
     <p:sldId id="261" r:id="rId6"/>
-    <p:sldId id="259" r:id="rId7"/>
+    <p:sldId id="262" r:id="rId7"/>
+    <p:sldId id="259" r:id="rId8"/>
   </p:sldIdLst>
   <p:sldSz cx="12192000" cy="6858000"/>
   <p:notesSz cx="6858000" cy="9144000"/>
@@ -4246,6 +4247,13 @@
           </a:p>
           <a:p>
             <a:r>
+              <a:rPr lang="en-NL"/>
+              <a:t>Demonstratie</a:t>
+            </a:r>
+            <a:endParaRPr lang="en-NL" dirty="0"/>
+          </a:p>
+          <a:p>
+            <a:r>
               <a:rPr lang="en-NL" dirty="0"/>
               <a:t>Slot</a:t>
             </a:r>
@@ -4767,6 +4775,89 @@
 </file>
 
 <file path=ppt/slides/slide6.xml><?xml version="1.0" encoding="utf-8"?>
+<p:sld xmlns:a="http://schemas.openxmlformats.org/drawingml/2006/main" xmlns:r="http://schemas.openxmlformats.org/officeDocument/2006/relationships" xmlns:p="http://schemas.openxmlformats.org/presentationml/2006/main">
+  <p:cSld>
+    <p:spTree>
+      <p:nvGrpSpPr>
+        <p:cNvPr id="1" name=""/>
+        <p:cNvGrpSpPr/>
+        <p:nvPr/>
+      </p:nvGrpSpPr>
+      <p:grpSpPr>
+        <a:xfrm>
+          <a:off x="0" y="0"/>
+          <a:ext cx="0" cy="0"/>
+          <a:chOff x="0" y="0"/>
+          <a:chExt cx="0" cy="0"/>
+        </a:xfrm>
+      </p:grpSpPr>
+      <p:sp>
+        <p:nvSpPr>
+          <p:cNvPr id="2" name="Title 1">
+            <a:extLst>
+              <a:ext uri="{FF2B5EF4-FFF2-40B4-BE49-F238E27FC236}">
+                <a16:creationId xmlns:a16="http://schemas.microsoft.com/office/drawing/2014/main" id="{7F8EE0DB-2678-7347-E207-2D7EB7A94947}"/>
+              </a:ext>
+            </a:extLst>
+          </p:cNvPr>
+          <p:cNvSpPr>
+            <a:spLocks noGrp="1"/>
+          </p:cNvSpPr>
+          <p:nvPr>
+            <p:ph type="title"/>
+          </p:nvPr>
+        </p:nvSpPr>
+        <p:spPr/>
+        <p:txBody>
+          <a:bodyPr/>
+          <a:lstStyle/>
+          <a:p>
+            <a:r>
+              <a:rPr lang="en-NL" dirty="0"/>
+              <a:t>Demonstratie</a:t>
+            </a:r>
+          </a:p>
+        </p:txBody>
+      </p:sp>
+      <p:sp>
+        <p:nvSpPr>
+          <p:cNvPr id="3" name="Content Placeholder 2">
+            <a:extLst>
+              <a:ext uri="{FF2B5EF4-FFF2-40B4-BE49-F238E27FC236}">
+                <a16:creationId xmlns:a16="http://schemas.microsoft.com/office/drawing/2014/main" id="{9FBB7819-136E-B1BE-5627-7B22E66F6A09}"/>
+              </a:ext>
+            </a:extLst>
+          </p:cNvPr>
+          <p:cNvSpPr>
+            <a:spLocks noGrp="1"/>
+          </p:cNvSpPr>
+          <p:nvPr>
+            <p:ph idx="1"/>
+          </p:nvPr>
+        </p:nvSpPr>
+        <p:spPr/>
+        <p:txBody>
+          <a:bodyPr/>
+          <a:lstStyle/>
+          <a:p>
+            <a:endParaRPr lang="en-NL"/>
+          </a:p>
+        </p:txBody>
+      </p:sp>
+    </p:spTree>
+    <p:extLst>
+      <p:ext uri="{BB962C8B-B14F-4D97-AF65-F5344CB8AC3E}">
+        <p14:creationId xmlns:p14="http://schemas.microsoft.com/office/powerpoint/2010/main" val="422860290"/>
+      </p:ext>
+    </p:extLst>
+  </p:cSld>
+  <p:clrMapOvr>
+    <a:masterClrMapping/>
+  </p:clrMapOvr>
+</p:sld>
+</file>
+
+<file path=ppt/slides/slide7.xml><?xml version="1.0" encoding="utf-8"?>
 <p:sld xmlns:a="http://schemas.openxmlformats.org/drawingml/2006/main" xmlns:r="http://schemas.openxmlformats.org/officeDocument/2006/relationships" xmlns:p="http://schemas.openxmlformats.org/presentationml/2006/main">
   <p:cSld>
     <p:bg>
